--- a/Documentacao/Apresentação_Final.pptx
+++ b/Documentacao/Apresentação_Final.pptx
@@ -222,7 +222,7 @@
           <a:p>
             <a:fld id="{691C22CB-122A-4021-BD7B-056F4138C7DC}" type="datetimeFigureOut">
               <a:rPr lang="pt-BR" smtClean="0"/>
-              <a:t>07/04/2021</a:t>
+              <a:t>09/04/2021</a:t>
             </a:fld>
             <a:endParaRPr lang="pt-BR"/>
           </a:p>
@@ -427,7 +427,7 @@
           <a:p>
             <a:fld id="{F69755D1-C2B1-4B92-AB2A-A3FD976C7EAE}" type="datetimeFigureOut">
               <a:rPr lang="pt-BR" smtClean="0"/>
-              <a:t>07/04/2021</a:t>
+              <a:t>09/04/2021</a:t>
             </a:fld>
             <a:endParaRPr lang="pt-BR"/>
           </a:p>
@@ -842,7 +842,7 @@
           <a:p>
             <a:fld id="{410137FF-75DC-40F4-8B3A-40211261B3CC}" type="datetime1">
               <a:rPr lang="pt-BR" smtClean="0"/>
-              <a:t>07/04/2021</a:t>
+              <a:t>09/04/2021</a:t>
             </a:fld>
             <a:endParaRPr lang="pt-BR"/>
           </a:p>
@@ -1040,7 +1040,7 @@
           <a:p>
             <a:fld id="{6E65AE52-2131-473E-A730-E765D008E8FA}" type="datetime1">
               <a:rPr lang="pt-BR" smtClean="0"/>
-              <a:t>07/04/2021</a:t>
+              <a:t>09/04/2021</a:t>
             </a:fld>
             <a:endParaRPr lang="pt-BR"/>
           </a:p>
@@ -1248,7 +1248,7 @@
           <a:p>
             <a:fld id="{281DD4FD-4EC9-4D9A-8AC5-9143DC48E544}" type="datetime1">
               <a:rPr lang="pt-BR" smtClean="0"/>
-              <a:t>07/04/2021</a:t>
+              <a:t>09/04/2021</a:t>
             </a:fld>
             <a:endParaRPr lang="pt-BR"/>
           </a:p>
@@ -1446,7 +1446,7 @@
           <a:p>
             <a:fld id="{814ADD53-3B2B-4599-B3BA-EC31C4770B09}" type="datetime1">
               <a:rPr lang="pt-BR" smtClean="0"/>
-              <a:t>07/04/2021</a:t>
+              <a:t>09/04/2021</a:t>
             </a:fld>
             <a:endParaRPr lang="pt-BR"/>
           </a:p>
@@ -1721,7 +1721,7 @@
           <a:p>
             <a:fld id="{5D0381F4-71D9-43BA-A0CE-218D616CFC5A}" type="datetime1">
               <a:rPr lang="pt-BR" smtClean="0"/>
-              <a:t>07/04/2021</a:t>
+              <a:t>09/04/2021</a:t>
             </a:fld>
             <a:endParaRPr lang="pt-BR"/>
           </a:p>
@@ -1986,7 +1986,7 @@
           <a:p>
             <a:fld id="{286481CA-D061-491B-954A-A66CB471AFF0}" type="datetime1">
               <a:rPr lang="pt-BR" smtClean="0"/>
-              <a:t>07/04/2021</a:t>
+              <a:t>09/04/2021</a:t>
             </a:fld>
             <a:endParaRPr lang="pt-BR"/>
           </a:p>
@@ -2398,7 +2398,7 @@
           <a:p>
             <a:fld id="{628D1829-534E-4DDF-B4E8-861C1459B7B8}" type="datetime1">
               <a:rPr lang="pt-BR" smtClean="0"/>
-              <a:t>07/04/2021</a:t>
+              <a:t>09/04/2021</a:t>
             </a:fld>
             <a:endParaRPr lang="pt-BR"/>
           </a:p>
@@ -2539,7 +2539,7 @@
           <a:p>
             <a:fld id="{AF57D9DD-CFC6-4DFC-B845-6AE01FB56BA6}" type="datetime1">
               <a:rPr lang="pt-BR" smtClean="0"/>
-              <a:t>07/04/2021</a:t>
+              <a:t>09/04/2021</a:t>
             </a:fld>
             <a:endParaRPr lang="pt-BR"/>
           </a:p>
@@ -2652,7 +2652,7 @@
           <a:p>
             <a:fld id="{C449DC27-57C6-4432-986E-6F2638C83676}" type="datetime1">
               <a:rPr lang="pt-BR" smtClean="0"/>
-              <a:t>07/04/2021</a:t>
+              <a:t>09/04/2021</a:t>
             </a:fld>
             <a:endParaRPr lang="pt-BR"/>
           </a:p>
@@ -2963,7 +2963,7 @@
           <a:p>
             <a:fld id="{7D82F7DC-B3BA-4A19-8EAE-AB2498C47569}" type="datetime1">
               <a:rPr lang="pt-BR" smtClean="0"/>
-              <a:t>07/04/2021</a:t>
+              <a:t>09/04/2021</a:t>
             </a:fld>
             <a:endParaRPr lang="pt-BR"/>
           </a:p>
@@ -3251,7 +3251,7 @@
           <a:p>
             <a:fld id="{EAA24BCD-87F9-4AA6-ACC3-645BAFD063A1}" type="datetime1">
               <a:rPr lang="pt-BR" smtClean="0"/>
-              <a:t>07/04/2021</a:t>
+              <a:t>09/04/2021</a:t>
             </a:fld>
             <a:endParaRPr lang="pt-BR"/>
           </a:p>
@@ -3501,7 +3501,7 @@
           <a:p>
             <a:fld id="{7F513A63-404E-40A4-95DB-62D437B6CB19}" type="datetime1">
               <a:rPr lang="pt-BR" smtClean="0"/>
-              <a:t>07/04/2021</a:t>
+              <a:t>09/04/2021</a:t>
             </a:fld>
             <a:endParaRPr lang="pt-BR"/>
           </a:p>
@@ -5066,21 +5066,7 @@
                   </a:schemeClr>
                 </a:solidFill>
               </a:rPr>
-              <a:t> </a:t>
-            </a:r>
-            <a:r>
-              <a:rPr lang="pt-BR" sz="1400" dirty="0"/>
-              <a:t> </a:t>
-            </a:r>
-            <a:r>
-              <a:rPr lang="pt-BR" sz="1400" dirty="0">
-                <a:solidFill>
-                  <a:schemeClr val="accent1">
-                    <a:lumMod val="50000"/>
-                  </a:schemeClr>
-                </a:solidFill>
-              </a:rPr>
-              <a:t>2. </a:t>
+              <a:t>  - </a:t>
             </a:r>
             <a:r>
               <a:rPr lang="pt-BR" sz="1400" dirty="0">
@@ -5091,7 +5077,28 @@
                 </a:solidFill>
                 <a:hlinkClick r:id="rId3"/>
               </a:rPr>
-              <a:t>http://www.planalto.gov.br/ccivil_03/constituicao/emendas/emc/emc14.htm</a:t>
+              <a:t>http://pne.mec.gov.br/</a:t>
+            </a:r>
+            <a:r>
+              <a:rPr lang="pt-BR" sz="1400" dirty="0">
+                <a:solidFill>
+                  <a:schemeClr val="accent1">
+                    <a:lumMod val="50000"/>
+                  </a:schemeClr>
+                </a:solidFill>
+              </a:rPr>
+              <a:t> - </a:t>
+            </a:r>
+            <a:r>
+              <a:rPr lang="pt-BR" sz="1400" dirty="0">
+                <a:solidFill>
+                  <a:schemeClr val="accent1">
+                    <a:lumMod val="50000"/>
+                  </a:schemeClr>
+                </a:solidFill>
+                <a:hlinkClick r:id="rId4"/>
+              </a:rPr>
+              <a:t>https://www.gov.br/inep/pt-br</a:t>
             </a:r>
             <a:r>
               <a:rPr lang="pt-BR" sz="1400" dirty="0">
@@ -5103,6 +5110,20 @@
               </a:rPr>
               <a:t> </a:t>
             </a:r>
+            <a:r>
+              <a:rPr lang="pt-BR" sz="1400" dirty="0"/>
+              <a:t> </a:t>
+            </a:r>
+            <a:r>
+              <a:rPr lang="pt-BR" sz="1400" dirty="0">
+                <a:solidFill>
+                  <a:schemeClr val="accent1">
+                    <a:lumMod val="50000"/>
+                  </a:schemeClr>
+                </a:solidFill>
+              </a:rPr>
+              <a:t> </a:t>
+            </a:r>
           </a:p>
         </p:txBody>
       </p:sp>
@@ -5120,8 +5141,8 @@
         </p:nvSpPr>
         <p:spPr>
           <a:xfrm>
-            <a:off x="802994" y="1117540"/>
-            <a:ext cx="10983566" cy="4862870"/>
+            <a:off x="802994" y="1382580"/>
+            <a:ext cx="10983566" cy="369332"/>
           </a:xfrm>
           <a:prstGeom prst="rect">
             <a:avLst/>
@@ -5140,166 +5161,12 @@
             </a:pPr>
             <a:r>
               <a:rPr lang="pt-BR" dirty="0"/>
-              <a:t> Educação Básica – obrigatoriedade</a:t>
-            </a:r>
-          </a:p>
-          <a:p>
-            <a:pPr marL="285750" indent="-285750">
-              <a:buFont typeface="Wingdings" panose="05000000000000000000" pitchFamily="2" charset="2"/>
-              <a:buChar char="ü"/>
-            </a:pPr>
-            <a:endParaRPr lang="pt-BR" dirty="0"/>
-          </a:p>
-          <a:p>
-            <a:pPr marL="285750" indent="-285750">
-              <a:buFont typeface="Arial" panose="020B0604020202020204" pitchFamily="34" charset="0"/>
-              <a:buChar char="•"/>
-            </a:pPr>
-            <a:r>
-              <a:rPr lang="pt-BR" sz="1600" dirty="0"/>
-              <a:t>Educação Infantil</a:t>
-            </a:r>
-          </a:p>
-          <a:p>
-            <a:pPr marL="285750" indent="-285750">
-              <a:buFont typeface="Arial" panose="020B0604020202020204" pitchFamily="34" charset="0"/>
-              <a:buChar char="•"/>
-            </a:pPr>
-            <a:r>
-              <a:rPr lang="pt-BR" sz="1600" dirty="0"/>
-              <a:t>Pré-escola</a:t>
-            </a:r>
-          </a:p>
-          <a:p>
-            <a:pPr marL="285750" indent="-285750">
-              <a:buFont typeface="Arial" panose="020B0604020202020204" pitchFamily="34" charset="0"/>
-              <a:buChar char="•"/>
-            </a:pPr>
-            <a:r>
-              <a:rPr lang="pt-BR" sz="1600" dirty="0"/>
-              <a:t>Ensino Fundamental</a:t>
-            </a:r>
-          </a:p>
-          <a:p>
-            <a:pPr marL="285750" indent="-285750">
-              <a:buFont typeface="Arial" panose="020B0604020202020204" pitchFamily="34" charset="0"/>
-              <a:buChar char="•"/>
-            </a:pPr>
-            <a:r>
-              <a:rPr lang="pt-BR" sz="1600" dirty="0"/>
-              <a:t>Ensino Médio (regular/técnico)</a:t>
-            </a:r>
-          </a:p>
-          <a:p>
-            <a:pPr marL="285750" indent="-285750">
-              <a:buFont typeface="Arial" panose="020B0604020202020204" pitchFamily="34" charset="0"/>
-              <a:buChar char="•"/>
-            </a:pPr>
-            <a:r>
-              <a:rPr lang="pt-BR" sz="1600" dirty="0"/>
-              <a:t>EJA</a:t>
-            </a:r>
-          </a:p>
-          <a:p>
-            <a:pPr marL="285750" indent="-285750">
-              <a:buFont typeface="Arial" panose="020B0604020202020204" pitchFamily="34" charset="0"/>
-              <a:buChar char="•"/>
-            </a:pPr>
-            <a:r>
-              <a:rPr lang="pt-BR" sz="1600" dirty="0"/>
-              <a:t>Educação no Campo</a:t>
-            </a:r>
-          </a:p>
-          <a:p>
-            <a:pPr marL="285750" indent="-285750">
-              <a:buFont typeface="Arial" panose="020B0604020202020204" pitchFamily="34" charset="0"/>
-              <a:buChar char="•"/>
-            </a:pPr>
-            <a:r>
-              <a:rPr lang="pt-BR" sz="1600" dirty="0"/>
-              <a:t>Educação Especial</a:t>
-            </a:r>
-          </a:p>
-          <a:p>
-            <a:endParaRPr lang="pt-BR" dirty="0"/>
-          </a:p>
-          <a:p>
-            <a:pPr marL="285750" indent="-285750">
-              <a:buFont typeface="Wingdings" panose="05000000000000000000" pitchFamily="2" charset="2"/>
-              <a:buChar char="ü"/>
-            </a:pPr>
-            <a:r>
-              <a:rPr lang="pt-BR" dirty="0"/>
-              <a:t>Educação Superior – garantia de acesso público</a:t>
-            </a:r>
-          </a:p>
-          <a:p>
-            <a:pPr marL="285750" indent="-285750">
-              <a:buFont typeface="Wingdings" panose="05000000000000000000" pitchFamily="2" charset="2"/>
-              <a:buChar char="ü"/>
-            </a:pPr>
-            <a:endParaRPr lang="pt-BR" dirty="0"/>
-          </a:p>
-          <a:p>
-            <a:pPr marL="285750" indent="-285750">
-              <a:buFont typeface="Wingdings" panose="05000000000000000000" pitchFamily="2" charset="2"/>
-              <a:buChar char="ü"/>
-            </a:pPr>
-            <a:r>
-              <a:rPr lang="pt-BR" dirty="0"/>
-              <a:t>Lei de Diretrizes e Bases da Educação Nacional</a:t>
+              <a:t>MEC (Ministério da Educação) e a Lei de Diretrizes e Bases da Educação Nacional (LDB)</a:t>
             </a:r>
             <a:r>
               <a:rPr lang="pt-BR" baseline="30000" dirty="0"/>
               <a:t>1</a:t>
             </a:r>
-          </a:p>
-          <a:p>
-            <a:pPr marL="285750" indent="-285750">
-              <a:buFont typeface="Wingdings" panose="05000000000000000000" pitchFamily="2" charset="2"/>
-              <a:buChar char="ü"/>
-            </a:pPr>
-            <a:r>
-              <a:rPr lang="pt-BR" dirty="0"/>
-              <a:t>Emenda Constitucional nº 14</a:t>
-            </a:r>
-            <a:r>
-              <a:rPr lang="pt-BR" baseline="30000" dirty="0"/>
-              <a:t>2</a:t>
-            </a:r>
-          </a:p>
-          <a:p>
-            <a:pPr marL="285750" indent="-285750">
-              <a:buFont typeface="Wingdings" panose="05000000000000000000" pitchFamily="2" charset="2"/>
-              <a:buChar char="ü"/>
-            </a:pPr>
-            <a:endParaRPr lang="pt-BR" dirty="0"/>
-          </a:p>
-          <a:p>
-            <a:pPr marL="285750" indent="-285750">
-              <a:buFont typeface="Wingdings" panose="05000000000000000000" pitchFamily="2" charset="2"/>
-              <a:buChar char="ü"/>
-            </a:pPr>
-            <a:r>
-              <a:rPr lang="pt-BR" dirty="0"/>
-              <a:t>Censo Escolar</a:t>
-            </a:r>
-          </a:p>
-          <a:p>
-            <a:pPr marL="285750" indent="-285750">
-              <a:buFont typeface="Wingdings" panose="05000000000000000000" pitchFamily="2" charset="2"/>
-              <a:buChar char="ü"/>
-            </a:pPr>
-            <a:r>
-              <a:rPr lang="pt-BR" dirty="0"/>
-              <a:t>Censo Ensino Superior</a:t>
-            </a:r>
-          </a:p>
-          <a:p>
-            <a:pPr marL="285750" indent="-285750">
-              <a:buFont typeface="Wingdings" panose="05000000000000000000" pitchFamily="2" charset="2"/>
-              <a:buChar char="ü"/>
-            </a:pPr>
             <a:endParaRPr lang="pt-BR" dirty="0"/>
           </a:p>
         </p:txBody>
@@ -5354,6 +5221,128 @@
           </a:p>
         </p:txBody>
       </p:sp>
+      <p:sp>
+        <p:nvSpPr>
+          <p:cNvPr id="3" name="CaixaDeTexto 2">
+            <a:extLst>
+              <a:ext uri="{FF2B5EF4-FFF2-40B4-BE49-F238E27FC236}">
+                <a16:creationId xmlns:a16="http://schemas.microsoft.com/office/drawing/2014/main" id="{D53F6B4F-606A-4F8C-BD71-2DEB341B30F8}"/>
+              </a:ext>
+            </a:extLst>
+          </p:cNvPr>
+          <p:cNvSpPr txBox="1"/>
+          <p:nvPr/>
+        </p:nvSpPr>
+        <p:spPr>
+          <a:xfrm>
+            <a:off x="802994" y="1910780"/>
+            <a:ext cx="10169806" cy="3323987"/>
+          </a:xfrm>
+          <a:prstGeom prst="rect">
+            <a:avLst/>
+          </a:prstGeom>
+          <a:noFill/>
+        </p:spPr>
+        <p:txBody>
+          <a:bodyPr wrap="square" rtlCol="0">
+            <a:spAutoFit/>
+          </a:bodyPr>
+          <a:lstStyle/>
+          <a:p>
+            <a:endParaRPr lang="pt-BR" dirty="0"/>
+          </a:p>
+          <a:p>
+            <a:pPr marL="285750" indent="-285750">
+              <a:buFont typeface="Wingdings" panose="05000000000000000000" pitchFamily="2" charset="2"/>
+              <a:buChar char="ü"/>
+            </a:pPr>
+            <a:r>
+              <a:rPr lang="pt-BR" dirty="0"/>
+              <a:t>Educação Básica – obrigatoriedade</a:t>
+            </a:r>
+          </a:p>
+          <a:p>
+            <a:pPr marL="285750" indent="-285750">
+              <a:buFont typeface="Wingdings" panose="05000000000000000000" pitchFamily="2" charset="2"/>
+              <a:buChar char="ü"/>
+            </a:pPr>
+            <a:endParaRPr lang="pt-BR" dirty="0"/>
+          </a:p>
+          <a:p>
+            <a:pPr marL="285750" indent="-285750">
+              <a:buFont typeface="Arial" panose="020B0604020202020204" pitchFamily="34" charset="0"/>
+              <a:buChar char="•"/>
+            </a:pPr>
+            <a:r>
+              <a:rPr lang="pt-BR" sz="1600" dirty="0"/>
+              <a:t>Educação Infantil</a:t>
+            </a:r>
+          </a:p>
+          <a:p>
+            <a:pPr marL="285750" indent="-285750">
+              <a:buFont typeface="Arial" panose="020B0604020202020204" pitchFamily="34" charset="0"/>
+              <a:buChar char="•"/>
+            </a:pPr>
+            <a:r>
+              <a:rPr lang="pt-BR" sz="1600" dirty="0"/>
+              <a:t>Ensino Fundamental</a:t>
+            </a:r>
+          </a:p>
+          <a:p>
+            <a:pPr marL="285750" indent="-285750">
+              <a:buFont typeface="Arial" panose="020B0604020202020204" pitchFamily="34" charset="0"/>
+              <a:buChar char="•"/>
+            </a:pPr>
+            <a:r>
+              <a:rPr lang="pt-BR" sz="1600" dirty="0"/>
+              <a:t>Ensino Médio (regular/técnico)</a:t>
+            </a:r>
+          </a:p>
+          <a:p>
+            <a:endParaRPr lang="pt-BR" dirty="0"/>
+          </a:p>
+          <a:p>
+            <a:pPr marL="285750" indent="-285750">
+              <a:buFont typeface="Wingdings" panose="05000000000000000000" pitchFamily="2" charset="2"/>
+              <a:buChar char="ü"/>
+            </a:pPr>
+            <a:r>
+              <a:rPr lang="pt-BR" dirty="0"/>
+              <a:t>Educação Superior – garantia de acesso público</a:t>
+            </a:r>
+          </a:p>
+          <a:p>
+            <a:pPr marL="285750" indent="-285750">
+              <a:buFont typeface="Wingdings" panose="05000000000000000000" pitchFamily="2" charset="2"/>
+              <a:buChar char="ü"/>
+            </a:pPr>
+            <a:endParaRPr lang="pt-BR" dirty="0"/>
+          </a:p>
+          <a:p>
+            <a:pPr marL="285750" indent="-285750">
+              <a:buFont typeface="Wingdings" panose="05000000000000000000" pitchFamily="2" charset="2"/>
+              <a:buChar char="ü"/>
+            </a:pPr>
+            <a:r>
+              <a:rPr lang="pt-BR" dirty="0"/>
+              <a:t>Censo Escolar</a:t>
+            </a:r>
+          </a:p>
+          <a:p>
+            <a:pPr marL="285750" indent="-285750">
+              <a:buFont typeface="Wingdings" panose="05000000000000000000" pitchFamily="2" charset="2"/>
+              <a:buChar char="ü"/>
+            </a:pPr>
+            <a:r>
+              <a:rPr lang="pt-BR" dirty="0"/>
+              <a:t>Censo Ensino Superior</a:t>
+            </a:r>
+          </a:p>
+          <a:p>
+            <a:endParaRPr lang="pt-BR" dirty="0"/>
+          </a:p>
+        </p:txBody>
+      </p:sp>
     </p:spTree>
     <p:extLst>
       <p:ext uri="{BB962C8B-B14F-4D97-AF65-F5344CB8AC3E}">
@@ -5364,6 +5353,427 @@
   <p:clrMapOvr>
     <a:masterClrMapping/>
   </p:clrMapOvr>
+  <p:timing>
+    <p:tnLst>
+      <p:par>
+        <p:cTn id="1" dur="indefinite" restart="never" nodeType="tmRoot">
+          <p:childTnLst>
+            <p:seq concurrent="1" nextAc="seek">
+              <p:cTn id="2" dur="indefinite" nodeType="mainSeq">
+                <p:childTnLst>
+                  <p:par>
+                    <p:cTn id="3" fill="hold">
+                      <p:stCondLst>
+                        <p:cond delay="indefinite"/>
+                      </p:stCondLst>
+                      <p:childTnLst>
+                        <p:par>
+                          <p:cTn id="4" fill="hold">
+                            <p:stCondLst>
+                              <p:cond delay="0"/>
+                            </p:stCondLst>
+                            <p:childTnLst>
+                              <p:par>
+                                <p:cTn id="5" presetID="1" presetClass="entr" presetSubtype="0" fill="hold" grpId="0" nodeType="clickEffect">
+                                  <p:stCondLst>
+                                    <p:cond delay="0"/>
+                                  </p:stCondLst>
+                                  <p:childTnLst>
+                                    <p:set>
+                                      <p:cBhvr>
+                                        <p:cTn id="6" dur="1" fill="hold">
+                                          <p:stCondLst>
+                                            <p:cond delay="0"/>
+                                          </p:stCondLst>
+                                        </p:cTn>
+                                        <p:tgtEl>
+                                          <p:spTgt spid="2"/>
+                                        </p:tgtEl>
+                                        <p:attrNameLst>
+                                          <p:attrName>style.visibility</p:attrName>
+                                        </p:attrNameLst>
+                                      </p:cBhvr>
+                                      <p:to>
+                                        <p:strVal val="visible"/>
+                                      </p:to>
+                                    </p:set>
+                                  </p:childTnLst>
+                                </p:cTn>
+                              </p:par>
+                            </p:childTnLst>
+                          </p:cTn>
+                        </p:par>
+                      </p:childTnLst>
+                    </p:cTn>
+                  </p:par>
+                  <p:par>
+                    <p:cTn id="7" fill="hold">
+                      <p:stCondLst>
+                        <p:cond delay="indefinite"/>
+                      </p:stCondLst>
+                      <p:childTnLst>
+                        <p:par>
+                          <p:cTn id="8" fill="hold">
+                            <p:stCondLst>
+                              <p:cond delay="0"/>
+                            </p:stCondLst>
+                            <p:childTnLst>
+                              <p:par>
+                                <p:cTn id="9" presetID="1" presetClass="entr" presetSubtype="0" fill="hold" nodeType="clickEffect">
+                                  <p:stCondLst>
+                                    <p:cond delay="0"/>
+                                  </p:stCondLst>
+                                  <p:childTnLst>
+                                    <p:set>
+                                      <p:cBhvr>
+                                        <p:cTn id="10" dur="1" fill="hold">
+                                          <p:stCondLst>
+                                            <p:cond delay="0"/>
+                                          </p:stCondLst>
+                                        </p:cTn>
+                                        <p:tgtEl>
+                                          <p:spTgt spid="3">
+                                            <p:txEl>
+                                              <p:pRg st="1" end="1"/>
+                                            </p:txEl>
+                                          </p:spTgt>
+                                        </p:tgtEl>
+                                        <p:attrNameLst>
+                                          <p:attrName>style.visibility</p:attrName>
+                                        </p:attrNameLst>
+                                      </p:cBhvr>
+                                      <p:to>
+                                        <p:strVal val="visible"/>
+                                      </p:to>
+                                    </p:set>
+                                  </p:childTnLst>
+                                </p:cTn>
+                              </p:par>
+                            </p:childTnLst>
+                          </p:cTn>
+                        </p:par>
+                      </p:childTnLst>
+                    </p:cTn>
+                  </p:par>
+                  <p:par>
+                    <p:cTn id="11" fill="hold">
+                      <p:stCondLst>
+                        <p:cond delay="indefinite"/>
+                      </p:stCondLst>
+                      <p:childTnLst>
+                        <p:par>
+                          <p:cTn id="12" fill="hold">
+                            <p:stCondLst>
+                              <p:cond delay="0"/>
+                            </p:stCondLst>
+                            <p:childTnLst>
+                              <p:par>
+                                <p:cTn id="13" presetID="1" presetClass="entr" presetSubtype="0" fill="hold" nodeType="clickEffect">
+                                  <p:stCondLst>
+                                    <p:cond delay="0"/>
+                                  </p:stCondLst>
+                                  <p:childTnLst>
+                                    <p:set>
+                                      <p:cBhvr>
+                                        <p:cTn id="14" dur="1" fill="hold">
+                                          <p:stCondLst>
+                                            <p:cond delay="0"/>
+                                          </p:stCondLst>
+                                        </p:cTn>
+                                        <p:tgtEl>
+                                          <p:spTgt spid="3">
+                                            <p:txEl>
+                                              <p:pRg st="3" end="3"/>
+                                            </p:txEl>
+                                          </p:spTgt>
+                                        </p:tgtEl>
+                                        <p:attrNameLst>
+                                          <p:attrName>style.visibility</p:attrName>
+                                        </p:attrNameLst>
+                                      </p:cBhvr>
+                                      <p:to>
+                                        <p:strVal val="visible"/>
+                                      </p:to>
+                                    </p:set>
+                                  </p:childTnLst>
+                                </p:cTn>
+                              </p:par>
+                            </p:childTnLst>
+                          </p:cTn>
+                        </p:par>
+                      </p:childTnLst>
+                    </p:cTn>
+                  </p:par>
+                  <p:par>
+                    <p:cTn id="15" fill="hold">
+                      <p:stCondLst>
+                        <p:cond delay="indefinite"/>
+                      </p:stCondLst>
+                      <p:childTnLst>
+                        <p:par>
+                          <p:cTn id="16" fill="hold">
+                            <p:stCondLst>
+                              <p:cond delay="0"/>
+                            </p:stCondLst>
+                            <p:childTnLst>
+                              <p:par>
+                                <p:cTn id="17" presetID="1" presetClass="entr" presetSubtype="0" fill="hold" nodeType="clickEffect">
+                                  <p:stCondLst>
+                                    <p:cond delay="0"/>
+                                  </p:stCondLst>
+                                  <p:childTnLst>
+                                    <p:set>
+                                      <p:cBhvr>
+                                        <p:cTn id="18" dur="1" fill="hold">
+                                          <p:stCondLst>
+                                            <p:cond delay="0"/>
+                                          </p:stCondLst>
+                                        </p:cTn>
+                                        <p:tgtEl>
+                                          <p:spTgt spid="3">
+                                            <p:txEl>
+                                              <p:pRg st="4" end="4"/>
+                                            </p:txEl>
+                                          </p:spTgt>
+                                        </p:tgtEl>
+                                        <p:attrNameLst>
+                                          <p:attrName>style.visibility</p:attrName>
+                                        </p:attrNameLst>
+                                      </p:cBhvr>
+                                      <p:to>
+                                        <p:strVal val="visible"/>
+                                      </p:to>
+                                    </p:set>
+                                  </p:childTnLst>
+                                </p:cTn>
+                              </p:par>
+                            </p:childTnLst>
+                          </p:cTn>
+                        </p:par>
+                      </p:childTnLst>
+                    </p:cTn>
+                  </p:par>
+                  <p:par>
+                    <p:cTn id="19" fill="hold">
+                      <p:stCondLst>
+                        <p:cond delay="indefinite"/>
+                      </p:stCondLst>
+                      <p:childTnLst>
+                        <p:par>
+                          <p:cTn id="20" fill="hold">
+                            <p:stCondLst>
+                              <p:cond delay="0"/>
+                            </p:stCondLst>
+                            <p:childTnLst>
+                              <p:par>
+                                <p:cTn id="21" presetID="1" presetClass="entr" presetSubtype="0" fill="hold" nodeType="clickEffect">
+                                  <p:stCondLst>
+                                    <p:cond delay="0"/>
+                                  </p:stCondLst>
+                                  <p:childTnLst>
+                                    <p:set>
+                                      <p:cBhvr>
+                                        <p:cTn id="22" dur="1" fill="hold">
+                                          <p:stCondLst>
+                                            <p:cond delay="0"/>
+                                          </p:stCondLst>
+                                        </p:cTn>
+                                        <p:tgtEl>
+                                          <p:spTgt spid="3">
+                                            <p:txEl>
+                                              <p:pRg st="5" end="5"/>
+                                            </p:txEl>
+                                          </p:spTgt>
+                                        </p:tgtEl>
+                                        <p:attrNameLst>
+                                          <p:attrName>style.visibility</p:attrName>
+                                        </p:attrNameLst>
+                                      </p:cBhvr>
+                                      <p:to>
+                                        <p:strVal val="visible"/>
+                                      </p:to>
+                                    </p:set>
+                                  </p:childTnLst>
+                                </p:cTn>
+                              </p:par>
+                            </p:childTnLst>
+                          </p:cTn>
+                        </p:par>
+                      </p:childTnLst>
+                    </p:cTn>
+                  </p:par>
+                  <p:par>
+                    <p:cTn id="23" fill="hold">
+                      <p:stCondLst>
+                        <p:cond delay="indefinite"/>
+                      </p:stCondLst>
+                      <p:childTnLst>
+                        <p:par>
+                          <p:cTn id="24" fill="hold">
+                            <p:stCondLst>
+                              <p:cond delay="0"/>
+                            </p:stCondLst>
+                            <p:childTnLst>
+                              <p:par>
+                                <p:cTn id="25" presetID="1" presetClass="entr" presetSubtype="0" fill="hold" nodeType="clickEffect">
+                                  <p:stCondLst>
+                                    <p:cond delay="0"/>
+                                  </p:stCondLst>
+                                  <p:childTnLst>
+                                    <p:set>
+                                      <p:cBhvr>
+                                        <p:cTn id="26" dur="1" fill="hold">
+                                          <p:stCondLst>
+                                            <p:cond delay="0"/>
+                                          </p:stCondLst>
+                                        </p:cTn>
+                                        <p:tgtEl>
+                                          <p:spTgt spid="3">
+                                            <p:txEl>
+                                              <p:pRg st="7" end="7"/>
+                                            </p:txEl>
+                                          </p:spTgt>
+                                        </p:tgtEl>
+                                        <p:attrNameLst>
+                                          <p:attrName>style.visibility</p:attrName>
+                                        </p:attrNameLst>
+                                      </p:cBhvr>
+                                      <p:to>
+                                        <p:strVal val="visible"/>
+                                      </p:to>
+                                    </p:set>
+                                  </p:childTnLst>
+                                </p:cTn>
+                              </p:par>
+                            </p:childTnLst>
+                          </p:cTn>
+                        </p:par>
+                      </p:childTnLst>
+                    </p:cTn>
+                  </p:par>
+                  <p:par>
+                    <p:cTn id="27" fill="hold">
+                      <p:stCondLst>
+                        <p:cond delay="indefinite"/>
+                      </p:stCondLst>
+                      <p:childTnLst>
+                        <p:par>
+                          <p:cTn id="28" fill="hold">
+                            <p:stCondLst>
+                              <p:cond delay="0"/>
+                            </p:stCondLst>
+                            <p:childTnLst>
+                              <p:par>
+                                <p:cTn id="29" presetID="1" presetClass="entr" presetSubtype="0" fill="hold" nodeType="clickEffect">
+                                  <p:stCondLst>
+                                    <p:cond delay="0"/>
+                                  </p:stCondLst>
+                                  <p:childTnLst>
+                                    <p:set>
+                                      <p:cBhvr>
+                                        <p:cTn id="30" dur="1" fill="hold">
+                                          <p:stCondLst>
+                                            <p:cond delay="0"/>
+                                          </p:stCondLst>
+                                        </p:cTn>
+                                        <p:tgtEl>
+                                          <p:spTgt spid="3">
+                                            <p:txEl>
+                                              <p:pRg st="9" end="9"/>
+                                            </p:txEl>
+                                          </p:spTgt>
+                                        </p:tgtEl>
+                                        <p:attrNameLst>
+                                          <p:attrName>style.visibility</p:attrName>
+                                        </p:attrNameLst>
+                                      </p:cBhvr>
+                                      <p:to>
+                                        <p:strVal val="visible"/>
+                                      </p:to>
+                                    </p:set>
+                                  </p:childTnLst>
+                                </p:cTn>
+                              </p:par>
+                            </p:childTnLst>
+                          </p:cTn>
+                        </p:par>
+                      </p:childTnLst>
+                    </p:cTn>
+                  </p:par>
+                  <p:par>
+                    <p:cTn id="31" fill="hold">
+                      <p:stCondLst>
+                        <p:cond delay="indefinite"/>
+                      </p:stCondLst>
+                      <p:childTnLst>
+                        <p:par>
+                          <p:cTn id="32" fill="hold">
+                            <p:stCondLst>
+                              <p:cond delay="0"/>
+                            </p:stCondLst>
+                            <p:childTnLst>
+                              <p:par>
+                                <p:cTn id="33" presetID="1" presetClass="entr" presetSubtype="0" fill="hold" nodeType="clickEffect">
+                                  <p:stCondLst>
+                                    <p:cond delay="0"/>
+                                  </p:stCondLst>
+                                  <p:childTnLst>
+                                    <p:set>
+                                      <p:cBhvr>
+                                        <p:cTn id="34" dur="1" fill="hold">
+                                          <p:stCondLst>
+                                            <p:cond delay="0"/>
+                                          </p:stCondLst>
+                                        </p:cTn>
+                                        <p:tgtEl>
+                                          <p:spTgt spid="3">
+                                            <p:txEl>
+                                              <p:pRg st="10" end="10"/>
+                                            </p:txEl>
+                                          </p:spTgt>
+                                        </p:tgtEl>
+                                        <p:attrNameLst>
+                                          <p:attrName>style.visibility</p:attrName>
+                                        </p:attrNameLst>
+                                      </p:cBhvr>
+                                      <p:to>
+                                        <p:strVal val="visible"/>
+                                      </p:to>
+                                    </p:set>
+                                  </p:childTnLst>
+                                </p:cTn>
+                              </p:par>
+                            </p:childTnLst>
+                          </p:cTn>
+                        </p:par>
+                      </p:childTnLst>
+                    </p:cTn>
+                  </p:par>
+                </p:childTnLst>
+              </p:cTn>
+              <p:prevCondLst>
+                <p:cond evt="onPrev" delay="0">
+                  <p:tgtEl>
+                    <p:sldTgt/>
+                  </p:tgtEl>
+                </p:cond>
+              </p:prevCondLst>
+              <p:nextCondLst>
+                <p:cond evt="onNext" delay="0">
+                  <p:tgtEl>
+                    <p:sldTgt/>
+                  </p:tgtEl>
+                </p:cond>
+              </p:nextCondLst>
+            </p:seq>
+          </p:childTnLst>
+        </p:cTn>
+      </p:par>
+    </p:tnLst>
+    <p:bldLst>
+      <p:bldP spid="2" grpId="0"/>
+    </p:bldLst>
+  </p:timing>
 </p:sld>
 </file>
 
@@ -6086,14 +6496,6 @@
               </a:rPr>
               <a:t>Meta 6</a:t>
             </a:r>
-          </a:p>
-          <a:p>
-            <a:pPr algn="ctr"/>
-            <a:endParaRPr lang="pt-BR" b="1" dirty="0">
-              <a:solidFill>
-                <a:srgbClr val="002060"/>
-              </a:solidFill>
-            </a:endParaRPr>
           </a:p>
           <a:p>
             <a:pPr algn="ctr"/>
@@ -8426,6 +8828,281 @@
   <p:clrMapOvr>
     <a:masterClrMapping/>
   </p:clrMapOvr>
+  <p:timing>
+    <p:tnLst>
+      <p:par>
+        <p:cTn id="1" dur="indefinite" restart="never" nodeType="tmRoot">
+          <p:childTnLst>
+            <p:seq concurrent="1" nextAc="seek">
+              <p:cTn id="2" dur="indefinite" nodeType="mainSeq">
+                <p:childTnLst>
+                  <p:par>
+                    <p:cTn id="3" fill="hold">
+                      <p:stCondLst>
+                        <p:cond delay="indefinite"/>
+                      </p:stCondLst>
+                      <p:childTnLst>
+                        <p:par>
+                          <p:cTn id="4" fill="hold">
+                            <p:stCondLst>
+                              <p:cond delay="0"/>
+                            </p:stCondLst>
+                            <p:childTnLst>
+                              <p:par>
+                                <p:cTn id="5" presetID="1" presetClass="entr" presetSubtype="0" fill="hold" nodeType="clickEffect">
+                                  <p:stCondLst>
+                                    <p:cond delay="0"/>
+                                  </p:stCondLst>
+                                  <p:childTnLst>
+                                    <p:set>
+                                      <p:cBhvr>
+                                        <p:cTn id="6" dur="1" fill="hold">
+                                          <p:stCondLst>
+                                            <p:cond delay="0"/>
+                                          </p:stCondLst>
+                                        </p:cTn>
+                                        <p:tgtEl>
+                                          <p:spTgt spid="3">
+                                            <p:txEl>
+                                              <p:pRg st="1" end="1"/>
+                                            </p:txEl>
+                                          </p:spTgt>
+                                        </p:tgtEl>
+                                        <p:attrNameLst>
+                                          <p:attrName>style.visibility</p:attrName>
+                                        </p:attrNameLst>
+                                      </p:cBhvr>
+                                      <p:to>
+                                        <p:strVal val="visible"/>
+                                      </p:to>
+                                    </p:set>
+                                  </p:childTnLst>
+                                </p:cTn>
+                              </p:par>
+                            </p:childTnLst>
+                          </p:cTn>
+                        </p:par>
+                      </p:childTnLst>
+                    </p:cTn>
+                  </p:par>
+                  <p:par>
+                    <p:cTn id="7" fill="hold">
+                      <p:stCondLst>
+                        <p:cond delay="indefinite"/>
+                      </p:stCondLst>
+                      <p:childTnLst>
+                        <p:par>
+                          <p:cTn id="8" fill="hold">
+                            <p:stCondLst>
+                              <p:cond delay="0"/>
+                            </p:stCondLst>
+                            <p:childTnLst>
+                              <p:par>
+                                <p:cTn id="9" presetID="1" presetClass="entr" presetSubtype="0" fill="hold" nodeType="clickEffect">
+                                  <p:stCondLst>
+                                    <p:cond delay="0"/>
+                                  </p:stCondLst>
+                                  <p:childTnLst>
+                                    <p:set>
+                                      <p:cBhvr>
+                                        <p:cTn id="10" dur="1" fill="hold">
+                                          <p:stCondLst>
+                                            <p:cond delay="0"/>
+                                          </p:stCondLst>
+                                        </p:cTn>
+                                        <p:tgtEl>
+                                          <p:spTgt spid="3">
+                                            <p:txEl>
+                                              <p:pRg st="3" end="3"/>
+                                            </p:txEl>
+                                          </p:spTgt>
+                                        </p:tgtEl>
+                                        <p:attrNameLst>
+                                          <p:attrName>style.visibility</p:attrName>
+                                        </p:attrNameLst>
+                                      </p:cBhvr>
+                                      <p:to>
+                                        <p:strVal val="visible"/>
+                                      </p:to>
+                                    </p:set>
+                                  </p:childTnLst>
+                                </p:cTn>
+                              </p:par>
+                            </p:childTnLst>
+                          </p:cTn>
+                        </p:par>
+                      </p:childTnLst>
+                    </p:cTn>
+                  </p:par>
+                  <p:par>
+                    <p:cTn id="11" fill="hold">
+                      <p:stCondLst>
+                        <p:cond delay="indefinite"/>
+                      </p:stCondLst>
+                      <p:childTnLst>
+                        <p:par>
+                          <p:cTn id="12" fill="hold">
+                            <p:stCondLst>
+                              <p:cond delay="0"/>
+                            </p:stCondLst>
+                            <p:childTnLst>
+                              <p:par>
+                                <p:cTn id="13" presetID="1" presetClass="entr" presetSubtype="0" fill="hold" nodeType="clickEffect">
+                                  <p:stCondLst>
+                                    <p:cond delay="0"/>
+                                  </p:stCondLst>
+                                  <p:childTnLst>
+                                    <p:set>
+                                      <p:cBhvr>
+                                        <p:cTn id="14" dur="1" fill="hold">
+                                          <p:stCondLst>
+                                            <p:cond delay="0"/>
+                                          </p:stCondLst>
+                                        </p:cTn>
+                                        <p:tgtEl>
+                                          <p:spTgt spid="3">
+                                            <p:txEl>
+                                              <p:pRg st="5" end="5"/>
+                                            </p:txEl>
+                                          </p:spTgt>
+                                        </p:tgtEl>
+                                        <p:attrNameLst>
+                                          <p:attrName>style.visibility</p:attrName>
+                                        </p:attrNameLst>
+                                      </p:cBhvr>
+                                      <p:to>
+                                        <p:strVal val="visible"/>
+                                      </p:to>
+                                    </p:set>
+                                  </p:childTnLst>
+                                </p:cTn>
+                              </p:par>
+                            </p:childTnLst>
+                          </p:cTn>
+                        </p:par>
+                      </p:childTnLst>
+                    </p:cTn>
+                  </p:par>
+                  <p:par>
+                    <p:cTn id="15" fill="hold">
+                      <p:stCondLst>
+                        <p:cond delay="indefinite"/>
+                      </p:stCondLst>
+                      <p:childTnLst>
+                        <p:par>
+                          <p:cTn id="16" fill="hold">
+                            <p:stCondLst>
+                              <p:cond delay="0"/>
+                            </p:stCondLst>
+                            <p:childTnLst>
+                              <p:par>
+                                <p:cTn id="17" presetID="1" presetClass="entr" presetSubtype="0" fill="hold" nodeType="clickEffect">
+                                  <p:stCondLst>
+                                    <p:cond delay="0"/>
+                                  </p:stCondLst>
+                                  <p:childTnLst>
+                                    <p:set>
+                                      <p:cBhvr>
+                                        <p:cTn id="18" dur="1" fill="hold">
+                                          <p:stCondLst>
+                                            <p:cond delay="0"/>
+                                          </p:stCondLst>
+                                        </p:cTn>
+                                        <p:tgtEl>
+                                          <p:spTgt spid="3">
+                                            <p:txEl>
+                                              <p:pRg st="7" end="7"/>
+                                            </p:txEl>
+                                          </p:spTgt>
+                                        </p:tgtEl>
+                                        <p:attrNameLst>
+                                          <p:attrName>style.visibility</p:attrName>
+                                        </p:attrNameLst>
+                                      </p:cBhvr>
+                                      <p:to>
+                                        <p:strVal val="visible"/>
+                                      </p:to>
+                                    </p:set>
+                                  </p:childTnLst>
+                                </p:cTn>
+                              </p:par>
+                            </p:childTnLst>
+                          </p:cTn>
+                        </p:par>
+                      </p:childTnLst>
+                    </p:cTn>
+                  </p:par>
+                  <p:par>
+                    <p:cTn id="19" fill="hold">
+                      <p:stCondLst>
+                        <p:cond delay="indefinite"/>
+                      </p:stCondLst>
+                      <p:childTnLst>
+                        <p:par>
+                          <p:cTn id="20" fill="hold">
+                            <p:stCondLst>
+                              <p:cond delay="0"/>
+                            </p:stCondLst>
+                            <p:childTnLst>
+                              <p:par>
+                                <p:cTn id="21" presetID="1" presetClass="entr" presetSubtype="0" fill="hold" nodeType="clickEffect">
+                                  <p:stCondLst>
+                                    <p:cond delay="0"/>
+                                  </p:stCondLst>
+                                  <p:childTnLst>
+                                    <p:set>
+                                      <p:cBhvr>
+                                        <p:cTn id="22" dur="1" fill="hold">
+                                          <p:stCondLst>
+                                            <p:cond delay="0"/>
+                                          </p:stCondLst>
+                                        </p:cTn>
+                                        <p:tgtEl>
+                                          <p:spTgt spid="3">
+                                            <p:txEl>
+                                              <p:pRg st="9" end="9"/>
+                                            </p:txEl>
+                                          </p:spTgt>
+                                        </p:tgtEl>
+                                        <p:attrNameLst>
+                                          <p:attrName>style.visibility</p:attrName>
+                                        </p:attrNameLst>
+                                      </p:cBhvr>
+                                      <p:to>
+                                        <p:strVal val="visible"/>
+                                      </p:to>
+                                    </p:set>
+                                  </p:childTnLst>
+                                </p:cTn>
+                              </p:par>
+                            </p:childTnLst>
+                          </p:cTn>
+                        </p:par>
+                      </p:childTnLst>
+                    </p:cTn>
+                  </p:par>
+                </p:childTnLst>
+              </p:cTn>
+              <p:prevCondLst>
+                <p:cond evt="onPrev" delay="0">
+                  <p:tgtEl>
+                    <p:sldTgt/>
+                  </p:tgtEl>
+                </p:cond>
+              </p:prevCondLst>
+              <p:nextCondLst>
+                <p:cond evt="onNext" delay="0">
+                  <p:tgtEl>
+                    <p:sldTgt/>
+                  </p:tgtEl>
+                </p:cond>
+              </p:nextCondLst>
+            </p:seq>
+          </p:childTnLst>
+        </p:cTn>
+      </p:par>
+    </p:tnLst>
+  </p:timing>
 </p:sld>
 </file>
 
@@ -8796,6 +9473,622 @@
   <p:clrMapOvr>
     <a:masterClrMapping/>
   </p:clrMapOvr>
+  <p:timing>
+    <p:tnLst>
+      <p:par>
+        <p:cTn id="1" dur="indefinite" restart="never" nodeType="tmRoot">
+          <p:childTnLst>
+            <p:seq concurrent="1" nextAc="seek">
+              <p:cTn id="2" dur="indefinite" nodeType="mainSeq">
+                <p:childTnLst>
+                  <p:par>
+                    <p:cTn id="3" fill="hold">
+                      <p:stCondLst>
+                        <p:cond delay="indefinite"/>
+                      </p:stCondLst>
+                      <p:childTnLst>
+                        <p:par>
+                          <p:cTn id="4" fill="hold">
+                            <p:stCondLst>
+                              <p:cond delay="0"/>
+                            </p:stCondLst>
+                            <p:childTnLst>
+                              <p:par>
+                                <p:cTn id="5" presetID="1" presetClass="entr" presetSubtype="0" fill="hold" nodeType="clickEffect">
+                                  <p:stCondLst>
+                                    <p:cond delay="0"/>
+                                  </p:stCondLst>
+                                  <p:childTnLst>
+                                    <p:set>
+                                      <p:cBhvr>
+                                        <p:cTn id="6" dur="1" fill="hold">
+                                          <p:stCondLst>
+                                            <p:cond delay="0"/>
+                                          </p:stCondLst>
+                                        </p:cTn>
+                                        <p:tgtEl>
+                                          <p:spTgt spid="2">
+                                            <p:txEl>
+                                              <p:pRg st="0" end="0"/>
+                                            </p:txEl>
+                                          </p:spTgt>
+                                        </p:tgtEl>
+                                        <p:attrNameLst>
+                                          <p:attrName>style.visibility</p:attrName>
+                                        </p:attrNameLst>
+                                      </p:cBhvr>
+                                      <p:to>
+                                        <p:strVal val="visible"/>
+                                      </p:to>
+                                    </p:set>
+                                  </p:childTnLst>
+                                </p:cTn>
+                              </p:par>
+                              <p:par>
+                                <p:cTn id="7" presetID="1" presetClass="entr" presetSubtype="0" fill="hold" nodeType="withEffect">
+                                  <p:stCondLst>
+                                    <p:cond delay="0"/>
+                                  </p:stCondLst>
+                                  <p:childTnLst>
+                                    <p:set>
+                                      <p:cBhvr>
+                                        <p:cTn id="8" dur="1" fill="hold">
+                                          <p:stCondLst>
+                                            <p:cond delay="0"/>
+                                          </p:stCondLst>
+                                        </p:cTn>
+                                        <p:tgtEl>
+                                          <p:spTgt spid="2">
+                                            <p:txEl>
+                                              <p:pRg st="1" end="1"/>
+                                            </p:txEl>
+                                          </p:spTgt>
+                                        </p:tgtEl>
+                                        <p:attrNameLst>
+                                          <p:attrName>style.visibility</p:attrName>
+                                        </p:attrNameLst>
+                                      </p:cBhvr>
+                                      <p:to>
+                                        <p:strVal val="visible"/>
+                                      </p:to>
+                                    </p:set>
+                                  </p:childTnLst>
+                                </p:cTn>
+                              </p:par>
+                              <p:par>
+                                <p:cTn id="9" presetID="1" presetClass="entr" presetSubtype="0" fill="hold" nodeType="withEffect">
+                                  <p:stCondLst>
+                                    <p:cond delay="0"/>
+                                  </p:stCondLst>
+                                  <p:childTnLst>
+                                    <p:set>
+                                      <p:cBhvr>
+                                        <p:cTn id="10" dur="1" fill="hold">
+                                          <p:stCondLst>
+                                            <p:cond delay="0"/>
+                                          </p:stCondLst>
+                                        </p:cTn>
+                                        <p:tgtEl>
+                                          <p:spTgt spid="2">
+                                            <p:txEl>
+                                              <p:pRg st="2" end="2"/>
+                                            </p:txEl>
+                                          </p:spTgt>
+                                        </p:tgtEl>
+                                        <p:attrNameLst>
+                                          <p:attrName>style.visibility</p:attrName>
+                                        </p:attrNameLst>
+                                      </p:cBhvr>
+                                      <p:to>
+                                        <p:strVal val="visible"/>
+                                      </p:to>
+                                    </p:set>
+                                  </p:childTnLst>
+                                </p:cTn>
+                              </p:par>
+                              <p:par>
+                                <p:cTn id="11" presetID="1" presetClass="entr" presetSubtype="0" fill="hold" nodeType="withEffect">
+                                  <p:stCondLst>
+                                    <p:cond delay="0"/>
+                                  </p:stCondLst>
+                                  <p:childTnLst>
+                                    <p:set>
+                                      <p:cBhvr>
+                                        <p:cTn id="12" dur="1" fill="hold">
+                                          <p:stCondLst>
+                                            <p:cond delay="0"/>
+                                          </p:stCondLst>
+                                        </p:cTn>
+                                        <p:tgtEl>
+                                          <p:spTgt spid="2">
+                                            <p:txEl>
+                                              <p:pRg st="3" end="3"/>
+                                            </p:txEl>
+                                          </p:spTgt>
+                                        </p:tgtEl>
+                                        <p:attrNameLst>
+                                          <p:attrName>style.visibility</p:attrName>
+                                        </p:attrNameLst>
+                                      </p:cBhvr>
+                                      <p:to>
+                                        <p:strVal val="visible"/>
+                                      </p:to>
+                                    </p:set>
+                                  </p:childTnLst>
+                                </p:cTn>
+                              </p:par>
+                              <p:par>
+                                <p:cTn id="13" presetID="1" presetClass="entr" presetSubtype="0" fill="hold" nodeType="withEffect">
+                                  <p:stCondLst>
+                                    <p:cond delay="0"/>
+                                  </p:stCondLst>
+                                  <p:childTnLst>
+                                    <p:set>
+                                      <p:cBhvr>
+                                        <p:cTn id="14" dur="1" fill="hold">
+                                          <p:stCondLst>
+                                            <p:cond delay="0"/>
+                                          </p:stCondLst>
+                                        </p:cTn>
+                                        <p:tgtEl>
+                                          <p:spTgt spid="2">
+                                            <p:txEl>
+                                              <p:pRg st="4" end="4"/>
+                                            </p:txEl>
+                                          </p:spTgt>
+                                        </p:tgtEl>
+                                        <p:attrNameLst>
+                                          <p:attrName>style.visibility</p:attrName>
+                                        </p:attrNameLst>
+                                      </p:cBhvr>
+                                      <p:to>
+                                        <p:strVal val="visible"/>
+                                      </p:to>
+                                    </p:set>
+                                  </p:childTnLst>
+                                </p:cTn>
+                              </p:par>
+                              <p:par>
+                                <p:cTn id="15" presetID="1" presetClass="entr" presetSubtype="0" fill="hold" nodeType="withEffect">
+                                  <p:stCondLst>
+                                    <p:cond delay="0"/>
+                                  </p:stCondLst>
+                                  <p:childTnLst>
+                                    <p:set>
+                                      <p:cBhvr>
+                                        <p:cTn id="16" dur="1" fill="hold">
+                                          <p:stCondLst>
+                                            <p:cond delay="0"/>
+                                          </p:stCondLst>
+                                        </p:cTn>
+                                        <p:tgtEl>
+                                          <p:spTgt spid="2">
+                                            <p:txEl>
+                                              <p:pRg st="5" end="5"/>
+                                            </p:txEl>
+                                          </p:spTgt>
+                                        </p:tgtEl>
+                                        <p:attrNameLst>
+                                          <p:attrName>style.visibility</p:attrName>
+                                        </p:attrNameLst>
+                                      </p:cBhvr>
+                                      <p:to>
+                                        <p:strVal val="visible"/>
+                                      </p:to>
+                                    </p:set>
+                                  </p:childTnLst>
+                                </p:cTn>
+                              </p:par>
+                              <p:par>
+                                <p:cTn id="17" presetID="1" presetClass="entr" presetSubtype="0" fill="hold" nodeType="withEffect">
+                                  <p:stCondLst>
+                                    <p:cond delay="0"/>
+                                  </p:stCondLst>
+                                  <p:childTnLst>
+                                    <p:set>
+                                      <p:cBhvr>
+                                        <p:cTn id="18" dur="1" fill="hold">
+                                          <p:stCondLst>
+                                            <p:cond delay="0"/>
+                                          </p:stCondLst>
+                                        </p:cTn>
+                                        <p:tgtEl>
+                                          <p:spTgt spid="2">
+                                            <p:txEl>
+                                              <p:pRg st="6" end="6"/>
+                                            </p:txEl>
+                                          </p:spTgt>
+                                        </p:tgtEl>
+                                        <p:attrNameLst>
+                                          <p:attrName>style.visibility</p:attrName>
+                                        </p:attrNameLst>
+                                      </p:cBhvr>
+                                      <p:to>
+                                        <p:strVal val="visible"/>
+                                      </p:to>
+                                    </p:set>
+                                  </p:childTnLst>
+                                </p:cTn>
+                              </p:par>
+                              <p:par>
+                                <p:cTn id="19" presetID="1" presetClass="entr" presetSubtype="0" fill="hold" nodeType="withEffect">
+                                  <p:stCondLst>
+                                    <p:cond delay="0"/>
+                                  </p:stCondLst>
+                                  <p:childTnLst>
+                                    <p:set>
+                                      <p:cBhvr>
+                                        <p:cTn id="20" dur="1" fill="hold">
+                                          <p:stCondLst>
+                                            <p:cond delay="0"/>
+                                          </p:stCondLst>
+                                        </p:cTn>
+                                        <p:tgtEl>
+                                          <p:spTgt spid="2">
+                                            <p:txEl>
+                                              <p:pRg st="7" end="7"/>
+                                            </p:txEl>
+                                          </p:spTgt>
+                                        </p:tgtEl>
+                                        <p:attrNameLst>
+                                          <p:attrName>style.visibility</p:attrName>
+                                        </p:attrNameLst>
+                                      </p:cBhvr>
+                                      <p:to>
+                                        <p:strVal val="visible"/>
+                                      </p:to>
+                                    </p:set>
+                                  </p:childTnLst>
+                                </p:cTn>
+                              </p:par>
+                            </p:childTnLst>
+                          </p:cTn>
+                        </p:par>
+                      </p:childTnLst>
+                    </p:cTn>
+                  </p:par>
+                  <p:par>
+                    <p:cTn id="21" fill="hold">
+                      <p:stCondLst>
+                        <p:cond delay="indefinite"/>
+                      </p:stCondLst>
+                      <p:childTnLst>
+                        <p:par>
+                          <p:cTn id="22" fill="hold">
+                            <p:stCondLst>
+                              <p:cond delay="0"/>
+                            </p:stCondLst>
+                            <p:childTnLst>
+                              <p:par>
+                                <p:cTn id="23" presetID="1" presetClass="entr" presetSubtype="0" fill="hold" nodeType="clickEffect">
+                                  <p:stCondLst>
+                                    <p:cond delay="0"/>
+                                  </p:stCondLst>
+                                  <p:childTnLst>
+                                    <p:set>
+                                      <p:cBhvr>
+                                        <p:cTn id="24" dur="1" fill="hold">
+                                          <p:stCondLst>
+                                            <p:cond delay="0"/>
+                                          </p:stCondLst>
+                                        </p:cTn>
+                                        <p:tgtEl>
+                                          <p:spTgt spid="2">
+                                            <p:txEl>
+                                              <p:pRg st="9" end="9"/>
+                                            </p:txEl>
+                                          </p:spTgt>
+                                        </p:tgtEl>
+                                        <p:attrNameLst>
+                                          <p:attrName>style.visibility</p:attrName>
+                                        </p:attrNameLst>
+                                      </p:cBhvr>
+                                      <p:to>
+                                        <p:strVal val="visible"/>
+                                      </p:to>
+                                    </p:set>
+                                  </p:childTnLst>
+                                </p:cTn>
+                              </p:par>
+                              <p:par>
+                                <p:cTn id="25" presetID="1" presetClass="entr" presetSubtype="0" fill="hold" nodeType="withEffect">
+                                  <p:stCondLst>
+                                    <p:cond delay="0"/>
+                                  </p:stCondLst>
+                                  <p:childTnLst>
+                                    <p:set>
+                                      <p:cBhvr>
+                                        <p:cTn id="26" dur="1" fill="hold">
+                                          <p:stCondLst>
+                                            <p:cond delay="0"/>
+                                          </p:stCondLst>
+                                        </p:cTn>
+                                        <p:tgtEl>
+                                          <p:spTgt spid="2">
+                                            <p:txEl>
+                                              <p:pRg st="10" end="10"/>
+                                            </p:txEl>
+                                          </p:spTgt>
+                                        </p:tgtEl>
+                                        <p:attrNameLst>
+                                          <p:attrName>style.visibility</p:attrName>
+                                        </p:attrNameLst>
+                                      </p:cBhvr>
+                                      <p:to>
+                                        <p:strVal val="visible"/>
+                                      </p:to>
+                                    </p:set>
+                                  </p:childTnLst>
+                                </p:cTn>
+                              </p:par>
+                            </p:childTnLst>
+                          </p:cTn>
+                        </p:par>
+                      </p:childTnLst>
+                    </p:cTn>
+                  </p:par>
+                  <p:par>
+                    <p:cTn id="27" fill="hold">
+                      <p:stCondLst>
+                        <p:cond delay="indefinite"/>
+                      </p:stCondLst>
+                      <p:childTnLst>
+                        <p:par>
+                          <p:cTn id="28" fill="hold">
+                            <p:stCondLst>
+                              <p:cond delay="0"/>
+                            </p:stCondLst>
+                            <p:childTnLst>
+                              <p:par>
+                                <p:cTn id="29" presetID="1" presetClass="entr" presetSubtype="0" fill="hold" nodeType="clickEffect">
+                                  <p:stCondLst>
+                                    <p:cond delay="0"/>
+                                  </p:stCondLst>
+                                  <p:childTnLst>
+                                    <p:set>
+                                      <p:cBhvr>
+                                        <p:cTn id="30" dur="1" fill="hold">
+                                          <p:stCondLst>
+                                            <p:cond delay="0"/>
+                                          </p:stCondLst>
+                                        </p:cTn>
+                                        <p:tgtEl>
+                                          <p:spTgt spid="5">
+                                            <p:txEl>
+                                              <p:pRg st="1" end="1"/>
+                                            </p:txEl>
+                                          </p:spTgt>
+                                        </p:tgtEl>
+                                        <p:attrNameLst>
+                                          <p:attrName>style.visibility</p:attrName>
+                                        </p:attrNameLst>
+                                      </p:cBhvr>
+                                      <p:to>
+                                        <p:strVal val="visible"/>
+                                      </p:to>
+                                    </p:set>
+                                  </p:childTnLst>
+                                </p:cTn>
+                              </p:par>
+                              <p:par>
+                                <p:cTn id="31" presetID="1" presetClass="entr" presetSubtype="0" fill="hold" nodeType="withEffect">
+                                  <p:stCondLst>
+                                    <p:cond delay="0"/>
+                                  </p:stCondLst>
+                                  <p:childTnLst>
+                                    <p:set>
+                                      <p:cBhvr>
+                                        <p:cTn id="32" dur="1" fill="hold">
+                                          <p:stCondLst>
+                                            <p:cond delay="0"/>
+                                          </p:stCondLst>
+                                        </p:cTn>
+                                        <p:tgtEl>
+                                          <p:spTgt spid="5">
+                                            <p:txEl>
+                                              <p:pRg st="2" end="2"/>
+                                            </p:txEl>
+                                          </p:spTgt>
+                                        </p:tgtEl>
+                                        <p:attrNameLst>
+                                          <p:attrName>style.visibility</p:attrName>
+                                        </p:attrNameLst>
+                                      </p:cBhvr>
+                                      <p:to>
+                                        <p:strVal val="visible"/>
+                                      </p:to>
+                                    </p:set>
+                                  </p:childTnLst>
+                                </p:cTn>
+                              </p:par>
+                            </p:childTnLst>
+                          </p:cTn>
+                        </p:par>
+                      </p:childTnLst>
+                    </p:cTn>
+                  </p:par>
+                  <p:par>
+                    <p:cTn id="33" fill="hold">
+                      <p:stCondLst>
+                        <p:cond delay="indefinite"/>
+                      </p:stCondLst>
+                      <p:childTnLst>
+                        <p:par>
+                          <p:cTn id="34" fill="hold">
+                            <p:stCondLst>
+                              <p:cond delay="0"/>
+                            </p:stCondLst>
+                            <p:childTnLst>
+                              <p:par>
+                                <p:cTn id="35" presetID="1" presetClass="entr" presetSubtype="0" fill="hold" nodeType="clickEffect">
+                                  <p:stCondLst>
+                                    <p:cond delay="0"/>
+                                  </p:stCondLst>
+                                  <p:childTnLst>
+                                    <p:set>
+                                      <p:cBhvr>
+                                        <p:cTn id="36" dur="1" fill="hold">
+                                          <p:stCondLst>
+                                            <p:cond delay="0"/>
+                                          </p:stCondLst>
+                                        </p:cTn>
+                                        <p:tgtEl>
+                                          <p:spTgt spid="5">
+                                            <p:txEl>
+                                              <p:pRg st="4" end="4"/>
+                                            </p:txEl>
+                                          </p:spTgt>
+                                        </p:tgtEl>
+                                        <p:attrNameLst>
+                                          <p:attrName>style.visibility</p:attrName>
+                                        </p:attrNameLst>
+                                      </p:cBhvr>
+                                      <p:to>
+                                        <p:strVal val="visible"/>
+                                      </p:to>
+                                    </p:set>
+                                  </p:childTnLst>
+                                </p:cTn>
+                              </p:par>
+                              <p:par>
+                                <p:cTn id="37" presetID="1" presetClass="entr" presetSubtype="0" fill="hold" nodeType="withEffect">
+                                  <p:stCondLst>
+                                    <p:cond delay="0"/>
+                                  </p:stCondLst>
+                                  <p:childTnLst>
+                                    <p:set>
+                                      <p:cBhvr>
+                                        <p:cTn id="38" dur="1" fill="hold">
+                                          <p:stCondLst>
+                                            <p:cond delay="0"/>
+                                          </p:stCondLst>
+                                        </p:cTn>
+                                        <p:tgtEl>
+                                          <p:spTgt spid="5">
+                                            <p:txEl>
+                                              <p:pRg st="5" end="5"/>
+                                            </p:txEl>
+                                          </p:spTgt>
+                                        </p:tgtEl>
+                                        <p:attrNameLst>
+                                          <p:attrName>style.visibility</p:attrName>
+                                        </p:attrNameLst>
+                                      </p:cBhvr>
+                                      <p:to>
+                                        <p:strVal val="visible"/>
+                                      </p:to>
+                                    </p:set>
+                                  </p:childTnLst>
+                                </p:cTn>
+                              </p:par>
+                              <p:par>
+                                <p:cTn id="39" presetID="1" presetClass="entr" presetSubtype="0" fill="hold" nodeType="withEffect">
+                                  <p:stCondLst>
+                                    <p:cond delay="0"/>
+                                  </p:stCondLst>
+                                  <p:childTnLst>
+                                    <p:set>
+                                      <p:cBhvr>
+                                        <p:cTn id="40" dur="1" fill="hold">
+                                          <p:stCondLst>
+                                            <p:cond delay="0"/>
+                                          </p:stCondLst>
+                                        </p:cTn>
+                                        <p:tgtEl>
+                                          <p:spTgt spid="5">
+                                            <p:txEl>
+                                              <p:pRg st="6" end="6"/>
+                                            </p:txEl>
+                                          </p:spTgt>
+                                        </p:tgtEl>
+                                        <p:attrNameLst>
+                                          <p:attrName>style.visibility</p:attrName>
+                                        </p:attrNameLst>
+                                      </p:cBhvr>
+                                      <p:to>
+                                        <p:strVal val="visible"/>
+                                      </p:to>
+                                    </p:set>
+                                  </p:childTnLst>
+                                </p:cTn>
+                              </p:par>
+                            </p:childTnLst>
+                          </p:cTn>
+                        </p:par>
+                      </p:childTnLst>
+                    </p:cTn>
+                  </p:par>
+                  <p:par>
+                    <p:cTn id="41" fill="hold">
+                      <p:stCondLst>
+                        <p:cond delay="indefinite"/>
+                      </p:stCondLst>
+                      <p:childTnLst>
+                        <p:par>
+                          <p:cTn id="42" fill="hold">
+                            <p:stCondLst>
+                              <p:cond delay="0"/>
+                            </p:stCondLst>
+                            <p:childTnLst>
+                              <p:par>
+                                <p:cTn id="43" presetID="1" presetClass="entr" presetSubtype="0" fill="hold" nodeType="clickEffect">
+                                  <p:stCondLst>
+                                    <p:cond delay="0"/>
+                                  </p:stCondLst>
+                                  <p:childTnLst>
+                                    <p:set>
+                                      <p:cBhvr>
+                                        <p:cTn id="44" dur="1" fill="hold">
+                                          <p:stCondLst>
+                                            <p:cond delay="0"/>
+                                          </p:stCondLst>
+                                        </p:cTn>
+                                        <p:tgtEl>
+                                          <p:spTgt spid="5">
+                                            <p:txEl>
+                                              <p:pRg st="8" end="8"/>
+                                            </p:txEl>
+                                          </p:spTgt>
+                                        </p:tgtEl>
+                                        <p:attrNameLst>
+                                          <p:attrName>style.visibility</p:attrName>
+                                        </p:attrNameLst>
+                                      </p:cBhvr>
+                                      <p:to>
+                                        <p:strVal val="visible"/>
+                                      </p:to>
+                                    </p:set>
+                                  </p:childTnLst>
+                                </p:cTn>
+                              </p:par>
+                            </p:childTnLst>
+                          </p:cTn>
+                        </p:par>
+                      </p:childTnLst>
+                    </p:cTn>
+                  </p:par>
+                </p:childTnLst>
+              </p:cTn>
+              <p:prevCondLst>
+                <p:cond evt="onPrev" delay="0">
+                  <p:tgtEl>
+                    <p:sldTgt/>
+                  </p:tgtEl>
+                </p:cond>
+              </p:prevCondLst>
+              <p:nextCondLst>
+                <p:cond evt="onNext" delay="0">
+                  <p:tgtEl>
+                    <p:sldTgt/>
+                  </p:tgtEl>
+                </p:cond>
+              </p:nextCondLst>
+            </p:seq>
+          </p:childTnLst>
+        </p:cTn>
+      </p:par>
+    </p:tnLst>
+  </p:timing>
 </p:sld>
 </file>
 
@@ -9332,7 +10625,7 @@
                   <a:schemeClr val="bg1"/>
                 </a:solidFill>
               </a:rPr>
-              <a:t>09/abr</a:t>
+              <a:t>12/abr</a:t>
             </a:r>
           </a:p>
         </p:txBody>
@@ -10953,8 +12246,8 @@
         </p:nvSpPr>
         <p:spPr>
           <a:xfrm>
-            <a:off x="808383" y="1139687"/>
-            <a:ext cx="9289774" cy="923330"/>
+            <a:off x="861391" y="1859339"/>
+            <a:ext cx="9289774" cy="3139321"/>
           </a:xfrm>
           <a:prstGeom prst="rect">
             <a:avLst/>
@@ -10973,8 +12266,66 @@
             </a:pPr>
             <a:r>
               <a:rPr lang="pt-BR" dirty="0"/>
-              <a:t> O Brasil está longe de atingir a maior parte das metas (x de 16 metas analisadas)</a:t>
-            </a:r>
+              <a:t> O Brasil (em 2019) estava longe de atingir a maior parte das metas </a:t>
+            </a:r>
+          </a:p>
+          <a:p>
+            <a:pPr marL="285750" indent="-285750">
+              <a:buFont typeface="Wingdings" panose="05000000000000000000" pitchFamily="2" charset="2"/>
+              <a:buChar char="ü"/>
+            </a:pPr>
+            <a:endParaRPr lang="pt-BR" dirty="0"/>
+          </a:p>
+          <a:p>
+            <a:pPr marL="285750" indent="-285750">
+              <a:buFont typeface="Wingdings" panose="05000000000000000000" pitchFamily="2" charset="2"/>
+              <a:buChar char="ü"/>
+            </a:pPr>
+            <a:r>
+              <a:rPr lang="pt-BR" dirty="0"/>
+              <a:t>Metas relacionadas à educação superior estão mais próximas de serem atingidas (ou já foram atingidas) do que da educação básica</a:t>
+            </a:r>
+          </a:p>
+          <a:p>
+            <a:pPr marL="285750" indent="-285750">
+              <a:buFont typeface="Wingdings" panose="05000000000000000000" pitchFamily="2" charset="2"/>
+              <a:buChar char="ü"/>
+            </a:pPr>
+            <a:endParaRPr lang="pt-BR" dirty="0"/>
+          </a:p>
+          <a:p>
+            <a:pPr marL="285750" indent="-285750">
+              <a:buFont typeface="Wingdings" panose="05000000000000000000" pitchFamily="2" charset="2"/>
+              <a:buChar char="ü"/>
+            </a:pPr>
+            <a:r>
+              <a:rPr lang="pt-BR" dirty="0"/>
+              <a:t>A meta de educação de jovens e adultos é a meta mais preocupante</a:t>
+            </a:r>
+          </a:p>
+          <a:p>
+            <a:pPr marL="285750" indent="-285750">
+              <a:buFont typeface="Wingdings" panose="05000000000000000000" pitchFamily="2" charset="2"/>
+              <a:buChar char="ü"/>
+            </a:pPr>
+            <a:endParaRPr lang="pt-BR" dirty="0"/>
+          </a:p>
+          <a:p>
+            <a:pPr marL="285750" indent="-285750">
+              <a:buFont typeface="Wingdings" panose="05000000000000000000" pitchFamily="2" charset="2"/>
+              <a:buChar char="ü"/>
+            </a:pPr>
+            <a:r>
+              <a:rPr lang="pt-BR" dirty="0"/>
+              <a:t> Disparidade idade – ano escolar</a:t>
+            </a:r>
+          </a:p>
+          <a:p>
+            <a:pPr marL="285750" indent="-285750">
+              <a:buFont typeface="Wingdings" panose="05000000000000000000" pitchFamily="2" charset="2"/>
+              <a:buChar char="ü"/>
+            </a:pPr>
+            <a:endParaRPr lang="pt-BR" dirty="0"/>
           </a:p>
           <a:p>
             <a:pPr marL="285750" indent="-285750">
@@ -10998,6 +12349,232 @@
   <p:clrMapOvr>
     <a:masterClrMapping/>
   </p:clrMapOvr>
+  <p:timing>
+    <p:tnLst>
+      <p:par>
+        <p:cTn id="1" dur="indefinite" restart="never" nodeType="tmRoot">
+          <p:childTnLst>
+            <p:seq concurrent="1" nextAc="seek">
+              <p:cTn id="2" dur="indefinite" nodeType="mainSeq">
+                <p:childTnLst>
+                  <p:par>
+                    <p:cTn id="3" fill="hold">
+                      <p:stCondLst>
+                        <p:cond delay="indefinite"/>
+                      </p:stCondLst>
+                      <p:childTnLst>
+                        <p:par>
+                          <p:cTn id="4" fill="hold">
+                            <p:stCondLst>
+                              <p:cond delay="0"/>
+                            </p:stCondLst>
+                            <p:childTnLst>
+                              <p:par>
+                                <p:cTn id="5" presetID="1" presetClass="entr" presetSubtype="0" fill="hold" nodeType="clickEffect">
+                                  <p:stCondLst>
+                                    <p:cond delay="0"/>
+                                  </p:stCondLst>
+                                  <p:childTnLst>
+                                    <p:set>
+                                      <p:cBhvr>
+                                        <p:cTn id="6" dur="1" fill="hold">
+                                          <p:stCondLst>
+                                            <p:cond delay="0"/>
+                                          </p:stCondLst>
+                                        </p:cTn>
+                                        <p:tgtEl>
+                                          <p:spTgt spid="6">
+                                            <p:txEl>
+                                              <p:pRg st="0" end="0"/>
+                                            </p:txEl>
+                                          </p:spTgt>
+                                        </p:tgtEl>
+                                        <p:attrNameLst>
+                                          <p:attrName>style.visibility</p:attrName>
+                                        </p:attrNameLst>
+                                      </p:cBhvr>
+                                      <p:to>
+                                        <p:strVal val="visible"/>
+                                      </p:to>
+                                    </p:set>
+                                  </p:childTnLst>
+                                </p:cTn>
+                              </p:par>
+                            </p:childTnLst>
+                          </p:cTn>
+                        </p:par>
+                      </p:childTnLst>
+                    </p:cTn>
+                  </p:par>
+                  <p:par>
+                    <p:cTn id="7" fill="hold">
+                      <p:stCondLst>
+                        <p:cond delay="indefinite"/>
+                      </p:stCondLst>
+                      <p:childTnLst>
+                        <p:par>
+                          <p:cTn id="8" fill="hold">
+                            <p:stCondLst>
+                              <p:cond delay="0"/>
+                            </p:stCondLst>
+                            <p:childTnLst>
+                              <p:par>
+                                <p:cTn id="9" presetID="1" presetClass="entr" presetSubtype="0" fill="hold" nodeType="clickEffect">
+                                  <p:stCondLst>
+                                    <p:cond delay="0"/>
+                                  </p:stCondLst>
+                                  <p:childTnLst>
+                                    <p:set>
+                                      <p:cBhvr>
+                                        <p:cTn id="10" dur="1" fill="hold">
+                                          <p:stCondLst>
+                                            <p:cond delay="0"/>
+                                          </p:stCondLst>
+                                        </p:cTn>
+                                        <p:tgtEl>
+                                          <p:spTgt spid="6">
+                                            <p:txEl>
+                                              <p:pRg st="2" end="2"/>
+                                            </p:txEl>
+                                          </p:spTgt>
+                                        </p:tgtEl>
+                                        <p:attrNameLst>
+                                          <p:attrName>style.visibility</p:attrName>
+                                        </p:attrNameLst>
+                                      </p:cBhvr>
+                                      <p:to>
+                                        <p:strVal val="visible"/>
+                                      </p:to>
+                                    </p:set>
+                                  </p:childTnLst>
+                                </p:cTn>
+                              </p:par>
+                            </p:childTnLst>
+                          </p:cTn>
+                        </p:par>
+                      </p:childTnLst>
+                    </p:cTn>
+                  </p:par>
+                  <p:par>
+                    <p:cTn id="11" fill="hold">
+                      <p:stCondLst>
+                        <p:cond delay="indefinite"/>
+                      </p:stCondLst>
+                      <p:childTnLst>
+                        <p:par>
+                          <p:cTn id="12" fill="hold">
+                            <p:stCondLst>
+                              <p:cond delay="0"/>
+                            </p:stCondLst>
+                            <p:childTnLst>
+                              <p:par>
+                                <p:cTn id="13" presetID="1" presetClass="entr" presetSubtype="0" fill="hold" nodeType="clickEffect">
+                                  <p:stCondLst>
+                                    <p:cond delay="0"/>
+                                  </p:stCondLst>
+                                  <p:childTnLst>
+                                    <p:set>
+                                      <p:cBhvr>
+                                        <p:cTn id="14" dur="1" fill="hold">
+                                          <p:stCondLst>
+                                            <p:cond delay="0"/>
+                                          </p:stCondLst>
+                                        </p:cTn>
+                                        <p:tgtEl>
+                                          <p:spTgt spid="6">
+                                            <p:txEl>
+                                              <p:pRg st="4" end="4"/>
+                                            </p:txEl>
+                                          </p:spTgt>
+                                        </p:tgtEl>
+                                        <p:attrNameLst>
+                                          <p:attrName>style.visibility</p:attrName>
+                                        </p:attrNameLst>
+                                      </p:cBhvr>
+                                      <p:to>
+                                        <p:strVal val="visible"/>
+                                      </p:to>
+                                    </p:set>
+                                  </p:childTnLst>
+                                </p:cTn>
+                              </p:par>
+                            </p:childTnLst>
+                          </p:cTn>
+                        </p:par>
+                      </p:childTnLst>
+                    </p:cTn>
+                  </p:par>
+                  <p:par>
+                    <p:cTn id="15" fill="hold">
+                      <p:stCondLst>
+                        <p:cond delay="indefinite"/>
+                      </p:stCondLst>
+                      <p:childTnLst>
+                        <p:par>
+                          <p:cTn id="16" fill="hold">
+                            <p:stCondLst>
+                              <p:cond delay="0"/>
+                            </p:stCondLst>
+                            <p:childTnLst>
+                              <p:par>
+                                <p:cTn id="17" presetID="1" presetClass="entr" presetSubtype="0" fill="hold" nodeType="clickEffect">
+                                  <p:stCondLst>
+                                    <p:cond delay="0"/>
+                                  </p:stCondLst>
+                                  <p:childTnLst>
+                                    <p:set>
+                                      <p:cBhvr>
+                                        <p:cTn id="18" dur="1" fill="hold">
+                                          <p:stCondLst>
+                                            <p:cond delay="0"/>
+                                          </p:stCondLst>
+                                        </p:cTn>
+                                        <p:tgtEl>
+                                          <p:spTgt spid="6">
+                                            <p:txEl>
+                                              <p:pRg st="6" end="6"/>
+                                            </p:txEl>
+                                          </p:spTgt>
+                                        </p:tgtEl>
+                                        <p:attrNameLst>
+                                          <p:attrName>style.visibility</p:attrName>
+                                        </p:attrNameLst>
+                                      </p:cBhvr>
+                                      <p:to>
+                                        <p:strVal val="visible"/>
+                                      </p:to>
+                                    </p:set>
+                                  </p:childTnLst>
+                                </p:cTn>
+                              </p:par>
+                            </p:childTnLst>
+                          </p:cTn>
+                        </p:par>
+                      </p:childTnLst>
+                    </p:cTn>
+                  </p:par>
+                </p:childTnLst>
+              </p:cTn>
+              <p:prevCondLst>
+                <p:cond evt="onPrev" delay="0">
+                  <p:tgtEl>
+                    <p:sldTgt/>
+                  </p:tgtEl>
+                </p:cond>
+              </p:prevCondLst>
+              <p:nextCondLst>
+                <p:cond evt="onNext" delay="0">
+                  <p:tgtEl>
+                    <p:sldTgt/>
+                  </p:tgtEl>
+                </p:cond>
+              </p:nextCondLst>
+            </p:seq>
+          </p:childTnLst>
+        </p:cTn>
+      </p:par>
+    </p:tnLst>
+  </p:timing>
 </p:sld>
 </file>
 

--- a/Documentacao/Apresentação_Final.pptx
+++ b/Documentacao/Apresentação_Final.pptx
@@ -222,7 +222,7 @@
           <a:p>
             <a:fld id="{691C22CB-122A-4021-BD7B-056F4138C7DC}" type="datetimeFigureOut">
               <a:rPr lang="pt-BR" smtClean="0"/>
-              <a:t>09/04/2021</a:t>
+              <a:t>12/04/2021</a:t>
             </a:fld>
             <a:endParaRPr lang="pt-BR"/>
           </a:p>
@@ -427,7 +427,7 @@
           <a:p>
             <a:fld id="{F69755D1-C2B1-4B92-AB2A-A3FD976C7EAE}" type="datetimeFigureOut">
               <a:rPr lang="pt-BR" smtClean="0"/>
-              <a:t>09/04/2021</a:t>
+              <a:t>12/04/2021</a:t>
             </a:fld>
             <a:endParaRPr lang="pt-BR"/>
           </a:p>
@@ -842,7 +842,7 @@
           <a:p>
             <a:fld id="{410137FF-75DC-40F4-8B3A-40211261B3CC}" type="datetime1">
               <a:rPr lang="pt-BR" smtClean="0"/>
-              <a:t>09/04/2021</a:t>
+              <a:t>12/04/2021</a:t>
             </a:fld>
             <a:endParaRPr lang="pt-BR"/>
           </a:p>
@@ -1040,7 +1040,7 @@
           <a:p>
             <a:fld id="{6E65AE52-2131-473E-A730-E765D008E8FA}" type="datetime1">
               <a:rPr lang="pt-BR" smtClean="0"/>
-              <a:t>09/04/2021</a:t>
+              <a:t>12/04/2021</a:t>
             </a:fld>
             <a:endParaRPr lang="pt-BR"/>
           </a:p>
@@ -1248,7 +1248,7 @@
           <a:p>
             <a:fld id="{281DD4FD-4EC9-4D9A-8AC5-9143DC48E544}" type="datetime1">
               <a:rPr lang="pt-BR" smtClean="0"/>
-              <a:t>09/04/2021</a:t>
+              <a:t>12/04/2021</a:t>
             </a:fld>
             <a:endParaRPr lang="pt-BR"/>
           </a:p>
@@ -1446,7 +1446,7 @@
           <a:p>
             <a:fld id="{814ADD53-3B2B-4599-B3BA-EC31C4770B09}" type="datetime1">
               <a:rPr lang="pt-BR" smtClean="0"/>
-              <a:t>09/04/2021</a:t>
+              <a:t>12/04/2021</a:t>
             </a:fld>
             <a:endParaRPr lang="pt-BR"/>
           </a:p>
@@ -1721,7 +1721,7 @@
           <a:p>
             <a:fld id="{5D0381F4-71D9-43BA-A0CE-218D616CFC5A}" type="datetime1">
               <a:rPr lang="pt-BR" smtClean="0"/>
-              <a:t>09/04/2021</a:t>
+              <a:t>12/04/2021</a:t>
             </a:fld>
             <a:endParaRPr lang="pt-BR"/>
           </a:p>
@@ -1986,7 +1986,7 @@
           <a:p>
             <a:fld id="{286481CA-D061-491B-954A-A66CB471AFF0}" type="datetime1">
               <a:rPr lang="pt-BR" smtClean="0"/>
-              <a:t>09/04/2021</a:t>
+              <a:t>12/04/2021</a:t>
             </a:fld>
             <a:endParaRPr lang="pt-BR"/>
           </a:p>
@@ -2398,7 +2398,7 @@
           <a:p>
             <a:fld id="{628D1829-534E-4DDF-B4E8-861C1459B7B8}" type="datetime1">
               <a:rPr lang="pt-BR" smtClean="0"/>
-              <a:t>09/04/2021</a:t>
+              <a:t>12/04/2021</a:t>
             </a:fld>
             <a:endParaRPr lang="pt-BR"/>
           </a:p>
@@ -2539,7 +2539,7 @@
           <a:p>
             <a:fld id="{AF57D9DD-CFC6-4DFC-B845-6AE01FB56BA6}" type="datetime1">
               <a:rPr lang="pt-BR" smtClean="0"/>
-              <a:t>09/04/2021</a:t>
+              <a:t>12/04/2021</a:t>
             </a:fld>
             <a:endParaRPr lang="pt-BR"/>
           </a:p>
@@ -2652,7 +2652,7 @@
           <a:p>
             <a:fld id="{C449DC27-57C6-4432-986E-6F2638C83676}" type="datetime1">
               <a:rPr lang="pt-BR" smtClean="0"/>
-              <a:t>09/04/2021</a:t>
+              <a:t>12/04/2021</a:t>
             </a:fld>
             <a:endParaRPr lang="pt-BR"/>
           </a:p>
@@ -2963,7 +2963,7 @@
           <a:p>
             <a:fld id="{7D82F7DC-B3BA-4A19-8EAE-AB2498C47569}" type="datetime1">
               <a:rPr lang="pt-BR" smtClean="0"/>
-              <a:t>09/04/2021</a:t>
+              <a:t>12/04/2021</a:t>
             </a:fld>
             <a:endParaRPr lang="pt-BR"/>
           </a:p>
@@ -3251,7 +3251,7 @@
           <a:p>
             <a:fld id="{EAA24BCD-87F9-4AA6-ACC3-645BAFD063A1}" type="datetime1">
               <a:rPr lang="pt-BR" smtClean="0"/>
-              <a:t>09/04/2021</a:t>
+              <a:t>12/04/2021</a:t>
             </a:fld>
             <a:endParaRPr lang="pt-BR"/>
           </a:p>
@@ -3501,7 +3501,7 @@
           <a:p>
             <a:fld id="{7F513A63-404E-40A4-95DB-62D437B6CB19}" type="datetime1">
               <a:rPr lang="pt-BR" smtClean="0"/>
-              <a:t>09/04/2021</a:t>
+              <a:t>12/04/2021</a:t>
             </a:fld>
             <a:endParaRPr lang="pt-BR"/>
           </a:p>
@@ -5066,7 +5066,7 @@
                   </a:schemeClr>
                 </a:solidFill>
               </a:rPr>
-              <a:t>  - </a:t>
+              <a:t>  -  </a:t>
             </a:r>
             <a:r>
               <a:rPr lang="pt-BR" sz="1400" dirty="0">
@@ -5076,27 +5076,6 @@
                   </a:schemeClr>
                 </a:solidFill>
                 <a:hlinkClick r:id="rId3"/>
-              </a:rPr>
-              <a:t>http://pne.mec.gov.br/</a:t>
-            </a:r>
-            <a:r>
-              <a:rPr lang="pt-BR" sz="1400" dirty="0">
-                <a:solidFill>
-                  <a:schemeClr val="accent1">
-                    <a:lumMod val="50000"/>
-                  </a:schemeClr>
-                </a:solidFill>
-              </a:rPr>
-              <a:t> - </a:t>
-            </a:r>
-            <a:r>
-              <a:rPr lang="pt-BR" sz="1400" dirty="0">
-                <a:solidFill>
-                  <a:schemeClr val="accent1">
-                    <a:lumMod val="50000"/>
-                  </a:schemeClr>
-                </a:solidFill>
-                <a:hlinkClick r:id="rId4"/>
               </a:rPr>
               <a:t>https://www.gov.br/inep/pt-br</a:t>
             </a:r>
